--- a/презентация.pptx
+++ b/презентация.pptx
@@ -33,6 +33,10 @@
       <p:bold r:id="rId16"/>
       <p:italic r:id="rId17"/>
       <p:boldItalic r:id="rId18"/>
+    </p:embeddedFont>
+    <p:embeddedFont>
+      <p:font typeface="Cambria Math" panose="02040503050406030204" pitchFamily="18" charset="0"/>
+      <p:regular r:id="rId19"/>
     </p:embeddedFont>
   </p:embeddedFontLst>
   <p:defaultTextStyle>
@@ -2047,7 +2051,7 @@
               </a:spcAft>
               <a:buNone/>
             </a:pPr>
-            <a:endParaRPr/>
+            <a:endParaRPr dirty="0"/>
           </a:p>
         </p:txBody>
       </p:sp>
@@ -16774,7 +16778,7 @@
         </p:blipFill>
         <p:spPr>
           <a:xfrm>
-            <a:off x="5" y="1259632"/>
+            <a:off x="0" y="1161932"/>
             <a:ext cx="9144000" cy="4951981"/>
           </a:xfrm>
           <a:prstGeom prst="rect">
@@ -16910,7 +16914,7 @@
         </p:nvSpPr>
         <p:spPr>
           <a:xfrm>
-            <a:off x="271150" y="1480075"/>
+            <a:off x="267450" y="1609071"/>
             <a:ext cx="8609100" cy="639112"/>
           </a:xfrm>
           <a:prstGeom prst="rect">
@@ -16938,50 +16942,22 @@
             </a:pPr>
             <a:r>
               <a:rPr lang="ru-RU" sz="2400" dirty="0">
-                <a:latin typeface="Calibri"/>
-                <a:ea typeface="Calibri"/>
+                <a:latin typeface="Cambria" panose="02040503050406030204" pitchFamily="18" charset="0"/>
+                <a:ea typeface="Cambria" panose="02040503050406030204" pitchFamily="18" charset="0"/>
                 <a:cs typeface="Calibri"/>
                 <a:sym typeface="Calibri"/>
               </a:rPr>
               <a:t>Ключевые формулы:</a:t>
             </a:r>
             <a:endParaRPr sz="2400" dirty="0">
-              <a:latin typeface="Calibri"/>
-              <a:ea typeface="Calibri"/>
+              <a:latin typeface="Cambria" panose="02040503050406030204" pitchFamily="18" charset="0"/>
+              <a:ea typeface="Cambria" panose="02040503050406030204" pitchFamily="18" charset="0"/>
               <a:cs typeface="Calibri"/>
               <a:sym typeface="Calibri"/>
             </a:endParaRPr>
           </a:p>
         </p:txBody>
       </p:sp>
-      <p:pic>
-        <p:nvPicPr>
-          <p:cNvPr id="113" name="Google Shape;113;p16"/>
-          <p:cNvPicPr preferRelativeResize="0"/>
-          <p:nvPr/>
-        </p:nvPicPr>
-        <p:blipFill>
-          <a:blip r:embed="rId4">
-            <a:alphaModFix/>
-          </a:blip>
-          <a:stretch>
-            <a:fillRect/>
-          </a:stretch>
-        </p:blipFill>
-        <p:spPr>
-          <a:xfrm>
-            <a:off x="457200" y="3684381"/>
-            <a:ext cx="1568576" cy="1054425"/>
-          </a:xfrm>
-          <a:prstGeom prst="rect">
-            <a:avLst/>
-          </a:prstGeom>
-          <a:noFill/>
-          <a:ln>
-            <a:noFill/>
-          </a:ln>
-        </p:spPr>
-      </p:pic>
       <p:sp>
         <p:nvSpPr>
           <p:cNvPr id="114" name="Google Shape;114;p16"/>
@@ -16990,8 +16966,8 @@
         </p:nvSpPr>
         <p:spPr>
           <a:xfrm>
-            <a:off x="271150" y="4738813"/>
-            <a:ext cx="8372100" cy="1570500"/>
+            <a:off x="1008668" y="3417593"/>
+            <a:ext cx="7652143" cy="1624737"/>
           </a:xfrm>
           <a:prstGeom prst="rect">
             <a:avLst/>
@@ -17017,23 +16993,628 @@
               <a:buNone/>
             </a:pPr>
             <a:r>
-              <a:rPr lang="ru-RU" sz="2400" dirty="0">
-                <a:latin typeface="Calibri"/>
-                <a:ea typeface="Calibri"/>
+              <a:rPr lang="ru-RU" sz="1800" dirty="0">
+                <a:latin typeface="Cambria" panose="02040503050406030204" pitchFamily="18" charset="0"/>
+                <a:ea typeface="Cambria" panose="02040503050406030204" pitchFamily="18" charset="0"/>
                 <a:cs typeface="Calibri"/>
                 <a:sym typeface="Calibri"/>
               </a:rPr>
-              <a:t>где a – ускорение, t – время...</a:t>
+              <a:t>где </a:t>
             </a:r>
-            <a:endParaRPr sz="2400" dirty="0">
-              <a:latin typeface="Calibri"/>
-              <a:ea typeface="Calibri"/>
+            <a:r>
+              <a:rPr lang="en-US" sz="1800" dirty="0">
+                <a:latin typeface="Cambria" panose="02040503050406030204" pitchFamily="18" charset="0"/>
+                <a:ea typeface="Cambria" panose="02040503050406030204" pitchFamily="18" charset="0"/>
+                <a:cs typeface="Calibri"/>
+                <a:sym typeface="Calibri"/>
+              </a:rPr>
+              <a:t>G – </a:t>
+            </a:r>
+            <a:r>
+              <a:rPr lang="ru-RU" sz="1800" dirty="0">
+                <a:latin typeface="Cambria" panose="02040503050406030204" pitchFamily="18" charset="0"/>
+                <a:ea typeface="Cambria" panose="02040503050406030204" pitchFamily="18" charset="0"/>
+                <a:cs typeface="Calibri"/>
+                <a:sym typeface="Calibri"/>
+              </a:rPr>
+              <a:t>гравитационная постоянная, М – масса Солнца</a:t>
+            </a:r>
+            <a:r>
+              <a:rPr lang="en-US" sz="1800" dirty="0">
+                <a:latin typeface="Cambria" panose="02040503050406030204" pitchFamily="18" charset="0"/>
+                <a:ea typeface="Cambria" panose="02040503050406030204" pitchFamily="18" charset="0"/>
+                <a:cs typeface="Calibri"/>
+                <a:sym typeface="Calibri"/>
+              </a:rPr>
+              <a:t>, m – </a:t>
+            </a:r>
+            <a:r>
+              <a:rPr lang="ru-RU" sz="1800" dirty="0">
+                <a:latin typeface="Cambria" panose="02040503050406030204" pitchFamily="18" charset="0"/>
+                <a:ea typeface="Cambria" panose="02040503050406030204" pitchFamily="18" charset="0"/>
+                <a:cs typeface="Calibri"/>
+                <a:sym typeface="Calibri"/>
+              </a:rPr>
+              <a:t>масса Земли</a:t>
+            </a:r>
+            <a:endParaRPr sz="1800" dirty="0">
+              <a:latin typeface="Cambria" panose="02040503050406030204" pitchFamily="18" charset="0"/>
+              <a:ea typeface="Cambria" panose="02040503050406030204" pitchFamily="18" charset="0"/>
               <a:cs typeface="Calibri"/>
               <a:sym typeface="Calibri"/>
             </a:endParaRPr>
           </a:p>
         </p:txBody>
       </p:sp>
+      <mc:AlternateContent xmlns:mc="http://schemas.openxmlformats.org/markup-compatibility/2006" xmlns:a14="http://schemas.microsoft.com/office/drawing/2010/main">
+        <mc:Choice Requires="a14">
+          <p:sp>
+            <p:nvSpPr>
+              <p:cNvPr id="2" name="TextBox 1">
+                <a:extLst>
+                  <a:ext uri="{FF2B5EF4-FFF2-40B4-BE49-F238E27FC236}">
+                    <a16:creationId xmlns:a16="http://schemas.microsoft.com/office/drawing/2014/main" id="{7B3CDB29-BD93-05AC-640C-A6BC0BFB6071}"/>
+                  </a:ext>
+                </a:extLst>
+              </p:cNvPr>
+              <p:cNvSpPr txBox="1"/>
+              <p:nvPr/>
+            </p:nvSpPr>
+            <p:spPr>
+              <a:xfrm>
+                <a:off x="457199" y="2345886"/>
+                <a:ext cx="4001678" cy="757002"/>
+              </a:xfrm>
+              <a:prstGeom prst="rect">
+                <a:avLst/>
+              </a:prstGeom>
+              <a:noFill/>
+              <a:ln>
+                <a:solidFill>
+                  <a:schemeClr val="tx1"/>
+                </a:solidFill>
+              </a:ln>
+            </p:spPr>
+            <p:txBody>
+              <a:bodyPr wrap="square" lIns="0" tIns="0" rIns="0" bIns="0" rtlCol="0">
+                <a:spAutoFit/>
+              </a:bodyPr>
+              <a:lstStyle/>
+              <a:p>
+                <a:pPr/>
+                <a14:m>
+                  <m:oMathPara xmlns:m="http://schemas.openxmlformats.org/officeDocument/2006/math">
+                    <m:oMathParaPr>
+                      <m:jc m:val="centerGroup"/>
+                    </m:oMathParaPr>
+                    <m:oMath xmlns:m="http://schemas.openxmlformats.org/officeDocument/2006/math">
+                      <m:r>
+                        <a:rPr lang="en-US" sz="2400" b="0" i="1" smtClean="0">
+                          <a:latin typeface="Cambria Math" panose="02040503050406030204" pitchFamily="18" charset="0"/>
+                        </a:rPr>
+                        <m:t>𝑑𝑣</m:t>
+                      </m:r>
+                      <m:r>
+                        <a:rPr lang="en-US" sz="2400" b="0" i="1" smtClean="0">
+                          <a:latin typeface="Cambria Math" panose="02040503050406030204" pitchFamily="18" charset="0"/>
+                        </a:rPr>
+                        <m:t>_</m:t>
+                      </m:r>
+                      <m:r>
+                        <a:rPr lang="en-US" sz="2400" b="0" i="1" smtClean="0">
+                          <a:latin typeface="Cambria Math" panose="02040503050406030204" pitchFamily="18" charset="0"/>
+                        </a:rPr>
+                        <m:t>𝑥𝑑𝑡</m:t>
+                      </m:r>
+                      <m:r>
+                        <a:rPr lang="en-US" sz="2400" b="0" i="1" smtClean="0">
+                          <a:latin typeface="Cambria Math" panose="02040503050406030204" pitchFamily="18" charset="0"/>
+                        </a:rPr>
+                        <m:t>= </m:t>
+                      </m:r>
+                      <m:f>
+                        <m:fPr>
+                          <m:ctrlPr>
+                            <a:rPr lang="en-US" sz="2400" b="0" i="1" smtClean="0">
+                              <a:latin typeface="Cambria Math" panose="02040503050406030204" pitchFamily="18" charset="0"/>
+                            </a:rPr>
+                          </m:ctrlPr>
+                        </m:fPr>
+                        <m:num>
+                          <m:r>
+                            <a:rPr lang="en-US" sz="2400" b="0" i="1" smtClean="0">
+                              <a:latin typeface="Cambria Math" panose="02040503050406030204" pitchFamily="18" charset="0"/>
+                            </a:rPr>
+                            <m:t>−</m:t>
+                          </m:r>
+                          <m:r>
+                            <a:rPr lang="en-US" sz="2400" b="0" i="1" smtClean="0">
+                              <a:latin typeface="Cambria Math" panose="02040503050406030204" pitchFamily="18" charset="0"/>
+                            </a:rPr>
+                            <m:t>𝐺</m:t>
+                          </m:r>
+                          <m:r>
+                            <a:rPr lang="en-US" sz="2400" b="0" i="1" smtClean="0">
+                              <a:latin typeface="Cambria Math" panose="02040503050406030204" pitchFamily="18" charset="0"/>
+                            </a:rPr>
+                            <m:t> ∗</m:t>
+                          </m:r>
+                          <m:r>
+                            <a:rPr lang="en-US" sz="2400" b="0" i="1" smtClean="0">
+                              <a:latin typeface="Cambria Math" panose="02040503050406030204" pitchFamily="18" charset="0"/>
+                            </a:rPr>
+                            <m:t>𝑀</m:t>
+                          </m:r>
+                          <m:r>
+                            <a:rPr lang="en-US" sz="2400" b="0" i="1" smtClean="0">
+                              <a:latin typeface="Cambria Math" panose="02040503050406030204" pitchFamily="18" charset="0"/>
+                            </a:rPr>
+                            <m:t> ∗</m:t>
+                          </m:r>
+                          <m:r>
+                            <a:rPr lang="en-US" sz="2400" b="0" i="1" smtClean="0">
+                              <a:latin typeface="Cambria Math" panose="02040503050406030204" pitchFamily="18" charset="0"/>
+                            </a:rPr>
+                            <m:t>𝑥</m:t>
+                          </m:r>
+                          <m:r>
+                            <a:rPr lang="en-US" sz="2400" b="0" i="1" smtClean="0">
+                              <a:latin typeface="Cambria Math" panose="02040503050406030204" pitchFamily="18" charset="0"/>
+                            </a:rPr>
+                            <m:t>1</m:t>
+                          </m:r>
+                        </m:num>
+                        <m:den>
+                          <m:sSup>
+                            <m:sSupPr>
+                              <m:ctrlPr>
+                                <a:rPr lang="en-US" sz="2400" b="0" i="1" smtClean="0">
+                                  <a:latin typeface="Cambria Math" panose="02040503050406030204" pitchFamily="18" charset="0"/>
+                                </a:rPr>
+                              </m:ctrlPr>
+                            </m:sSupPr>
+                            <m:e>
+                              <m:d>
+                                <m:dPr>
+                                  <m:ctrlPr>
+                                    <a:rPr lang="en-US" sz="2400" i="1">
+                                      <a:latin typeface="Cambria Math" panose="02040503050406030204" pitchFamily="18" charset="0"/>
+                                    </a:rPr>
+                                  </m:ctrlPr>
+                                </m:dPr>
+                                <m:e>
+                                  <m:sSup>
+                                    <m:sSupPr>
+                                      <m:ctrlPr>
+                                        <a:rPr lang="en-US" sz="2400" i="1">
+                                          <a:latin typeface="Cambria Math" panose="02040503050406030204" pitchFamily="18" charset="0"/>
+                                        </a:rPr>
+                                      </m:ctrlPr>
+                                    </m:sSupPr>
+                                    <m:e>
+                                      <m:r>
+                                        <a:rPr lang="en-US" sz="2400" i="1">
+                                          <a:latin typeface="Cambria Math" panose="02040503050406030204" pitchFamily="18" charset="0"/>
+                                        </a:rPr>
+                                        <m:t>𝑥</m:t>
+                                      </m:r>
+                                      <m:r>
+                                        <a:rPr lang="en-US" sz="2400" b="0" i="1" smtClean="0">
+                                          <a:latin typeface="Cambria Math" panose="02040503050406030204" pitchFamily="18" charset="0"/>
+                                        </a:rPr>
+                                        <m:t>1</m:t>
+                                      </m:r>
+                                    </m:e>
+                                    <m:sup>
+                                      <m:r>
+                                        <a:rPr lang="en-US" sz="2400" i="1">
+                                          <a:latin typeface="Cambria Math" panose="02040503050406030204" pitchFamily="18" charset="0"/>
+                                        </a:rPr>
+                                        <m:t>2</m:t>
+                                      </m:r>
+                                    </m:sup>
+                                  </m:sSup>
+                                  <m:r>
+                                    <a:rPr lang="en-US" sz="2400" i="1">
+                                      <a:latin typeface="Cambria Math" panose="02040503050406030204" pitchFamily="18" charset="0"/>
+                                    </a:rPr>
+                                    <m:t>+ </m:t>
+                                  </m:r>
+                                  <m:sSup>
+                                    <m:sSupPr>
+                                      <m:ctrlPr>
+                                        <a:rPr lang="en-US" sz="2400" i="1">
+                                          <a:latin typeface="Cambria Math" panose="02040503050406030204" pitchFamily="18" charset="0"/>
+                                        </a:rPr>
+                                      </m:ctrlPr>
+                                    </m:sSupPr>
+                                    <m:e>
+                                      <m:r>
+                                        <a:rPr lang="en-US" sz="2400" i="1">
+                                          <a:latin typeface="Cambria Math" panose="02040503050406030204" pitchFamily="18" charset="0"/>
+                                        </a:rPr>
+                                        <m:t>𝑦</m:t>
+                                      </m:r>
+                                      <m:r>
+                                        <a:rPr lang="en-US" sz="2400" b="0" i="1" smtClean="0">
+                                          <a:latin typeface="Cambria Math" panose="02040503050406030204" pitchFamily="18" charset="0"/>
+                                        </a:rPr>
+                                        <m:t>1</m:t>
+                                      </m:r>
+                                    </m:e>
+                                    <m:sup>
+                                      <m:r>
+                                        <a:rPr lang="en-US" sz="2400" i="1">
+                                          <a:latin typeface="Cambria Math" panose="02040503050406030204" pitchFamily="18" charset="0"/>
+                                        </a:rPr>
+                                        <m:t>2</m:t>
+                                      </m:r>
+                                    </m:sup>
+                                  </m:sSup>
+                                </m:e>
+                              </m:d>
+                            </m:e>
+                            <m:sup>
+                              <m:r>
+                                <a:rPr lang="en-US" sz="2400" b="0" i="1" smtClean="0">
+                                  <a:latin typeface="Cambria Math" panose="02040503050406030204" pitchFamily="18" charset="0"/>
+                                </a:rPr>
+                                <m:t>1,5</m:t>
+                              </m:r>
+                            </m:sup>
+                          </m:sSup>
+                        </m:den>
+                      </m:f>
+                    </m:oMath>
+                  </m:oMathPara>
+                </a14:m>
+                <a:endParaRPr lang="ru-RU" sz="2400" dirty="0"/>
+              </a:p>
+            </p:txBody>
+          </p:sp>
+        </mc:Choice>
+        <mc:Fallback xmlns="">
+          <p:sp>
+            <p:nvSpPr>
+              <p:cNvPr id="2" name="TextBox 1">
+                <a:extLst>
+                  <a:ext uri="{FF2B5EF4-FFF2-40B4-BE49-F238E27FC236}">
+                    <a16:creationId xmlns:a16="http://schemas.microsoft.com/office/drawing/2014/main" id="{7B3CDB29-BD93-05AC-640C-A6BC0BFB6071}"/>
+                  </a:ext>
+                </a:extLst>
+              </p:cNvPr>
+              <p:cNvSpPr txBox="1">
+                <a:spLocks noRot="1" noChangeAspect="1" noMove="1" noResize="1" noEditPoints="1" noAdjustHandles="1" noChangeArrowheads="1" noChangeShapeType="1" noTextEdit="1"/>
+              </p:cNvSpPr>
+              <p:nvPr/>
+            </p:nvSpPr>
+            <p:spPr>
+              <a:xfrm>
+                <a:off x="457199" y="2345886"/>
+                <a:ext cx="4001678" cy="757002"/>
+              </a:xfrm>
+              <a:prstGeom prst="rect">
+                <a:avLst/>
+              </a:prstGeom>
+              <a:blipFill>
+                <a:blip r:embed="rId4"/>
+                <a:stretch>
+                  <a:fillRect/>
+                </a:stretch>
+              </a:blipFill>
+              <a:ln>
+                <a:solidFill>
+                  <a:schemeClr val="tx1"/>
+                </a:solidFill>
+              </a:ln>
+            </p:spPr>
+            <p:txBody>
+              <a:bodyPr/>
+              <a:lstStyle/>
+              <a:p>
+                <a:r>
+                  <a:rPr lang="ru-RU">
+                    <a:noFill/>
+                  </a:rPr>
+                  <a:t> </a:t>
+                </a:r>
+              </a:p>
+            </p:txBody>
+          </p:sp>
+        </mc:Fallback>
+      </mc:AlternateContent>
+      <mc:AlternateContent xmlns:mc="http://schemas.openxmlformats.org/markup-compatibility/2006" xmlns:a14="http://schemas.microsoft.com/office/drawing/2010/main">
+        <mc:Choice Requires="a14">
+          <p:sp>
+            <p:nvSpPr>
+              <p:cNvPr id="4" name="TextBox 3">
+                <a:extLst>
+                  <a:ext uri="{FF2B5EF4-FFF2-40B4-BE49-F238E27FC236}">
+                    <a16:creationId xmlns:a16="http://schemas.microsoft.com/office/drawing/2014/main" id="{FE329338-5FC8-46B4-183C-5040A491D6AB}"/>
+                  </a:ext>
+                </a:extLst>
+              </p:cNvPr>
+              <p:cNvSpPr txBox="1"/>
+              <p:nvPr/>
+            </p:nvSpPr>
+            <p:spPr>
+              <a:xfrm>
+                <a:off x="4685126" y="2348222"/>
+                <a:ext cx="3975686" cy="765659"/>
+              </a:xfrm>
+              <a:prstGeom prst="rect">
+                <a:avLst/>
+              </a:prstGeom>
+              <a:noFill/>
+              <a:ln>
+                <a:solidFill>
+                  <a:schemeClr val="tx1"/>
+                </a:solidFill>
+              </a:ln>
+            </p:spPr>
+            <p:txBody>
+              <a:bodyPr wrap="square" lIns="0" tIns="0" rIns="0" bIns="0" rtlCol="0">
+                <a:spAutoFit/>
+              </a:bodyPr>
+              <a:lstStyle/>
+              <a:p>
+                <a14:m>
+                  <m:oMath xmlns:m="http://schemas.openxmlformats.org/officeDocument/2006/math">
+                    <m:r>
+                      <a:rPr lang="ru-RU" sz="2600" b="0" i="1" smtClean="0">
+                        <a:latin typeface="Cambria Math" panose="02040503050406030204" pitchFamily="18" charset="0"/>
+                      </a:rPr>
+                      <m:t>    </m:t>
+                    </m:r>
+                    <m:r>
+                      <a:rPr lang="en-US" sz="2600" b="0" i="1" smtClean="0">
+                        <a:latin typeface="Cambria Math" panose="02040503050406030204" pitchFamily="18" charset="0"/>
+                      </a:rPr>
+                      <m:t>𝑑𝑣</m:t>
+                    </m:r>
+                    <m:r>
+                      <a:rPr lang="en-US" sz="2600" b="0" i="1" smtClean="0">
+                        <a:latin typeface="Cambria Math" panose="02040503050406030204" pitchFamily="18" charset="0"/>
+                      </a:rPr>
+                      <m:t>_</m:t>
+                    </m:r>
+                    <m:r>
+                      <a:rPr lang="en-US" sz="2600" b="0" i="1" smtClean="0">
+                        <a:latin typeface="Cambria Math" panose="02040503050406030204" pitchFamily="18" charset="0"/>
+                      </a:rPr>
+                      <m:t>𝑦𝑑𝑡</m:t>
+                    </m:r>
+                  </m:oMath>
+                </a14:m>
+                <a:r>
+                  <a:rPr lang="en-US" sz="2600" dirty="0"/>
+                  <a:t> = </a:t>
+                </a:r>
+                <a14:m>
+                  <m:oMath xmlns:m="http://schemas.openxmlformats.org/officeDocument/2006/math">
+                    <m:f>
+                      <m:fPr>
+                        <m:ctrlPr>
+                          <a:rPr lang="en-US" sz="3200" i="1" dirty="0" smtClean="0">
+                            <a:latin typeface="Cambria Math" panose="02040503050406030204" pitchFamily="18" charset="0"/>
+                          </a:rPr>
+                        </m:ctrlPr>
+                      </m:fPr>
+                      <m:num>
+                        <m:r>
+                          <a:rPr lang="en-US" sz="3200" b="0" i="1" dirty="0" smtClean="0">
+                            <a:latin typeface="Cambria Math" panose="02040503050406030204" pitchFamily="18" charset="0"/>
+                          </a:rPr>
+                          <m:t>−</m:t>
+                        </m:r>
+                        <m:r>
+                          <a:rPr lang="en-US" sz="3200" b="0" i="1" dirty="0" smtClean="0">
+                            <a:latin typeface="Cambria Math" panose="02040503050406030204" pitchFamily="18" charset="0"/>
+                          </a:rPr>
+                          <m:t>𝐺</m:t>
+                        </m:r>
+                        <m:r>
+                          <a:rPr lang="en-US" sz="3200" b="0" i="1" dirty="0" smtClean="0">
+                            <a:latin typeface="Cambria Math" panose="02040503050406030204" pitchFamily="18" charset="0"/>
+                          </a:rPr>
+                          <m:t> ∗ </m:t>
+                        </m:r>
+                        <m:r>
+                          <a:rPr lang="en-US" sz="3200" b="0" i="1" dirty="0" smtClean="0">
+                            <a:latin typeface="Cambria Math" panose="02040503050406030204" pitchFamily="18" charset="0"/>
+                          </a:rPr>
+                          <m:t>𝑚</m:t>
+                        </m:r>
+                        <m:r>
+                          <a:rPr lang="en-US" sz="3200" b="0" i="1" dirty="0" smtClean="0">
+                            <a:latin typeface="Cambria Math" panose="02040503050406030204" pitchFamily="18" charset="0"/>
+                          </a:rPr>
+                          <m:t> ∗ </m:t>
+                        </m:r>
+                        <m:r>
+                          <a:rPr lang="en-US" sz="3200" b="0" i="1" dirty="0" smtClean="0">
+                            <a:latin typeface="Cambria Math" panose="02040503050406030204" pitchFamily="18" charset="0"/>
+                          </a:rPr>
+                          <m:t>𝑦</m:t>
+                        </m:r>
+                        <m:r>
+                          <a:rPr lang="en-US" sz="3200" b="0" i="1" dirty="0" smtClean="0">
+                            <a:latin typeface="Cambria Math" panose="02040503050406030204" pitchFamily="18" charset="0"/>
+                          </a:rPr>
+                          <m:t>1</m:t>
+                        </m:r>
+                      </m:num>
+                      <m:den>
+                        <m:sSup>
+                          <m:sSupPr>
+                            <m:ctrlPr>
+                              <a:rPr lang="en-US" sz="3200" i="1" dirty="0" smtClean="0">
+                                <a:latin typeface="Cambria Math" panose="02040503050406030204" pitchFamily="18" charset="0"/>
+                              </a:rPr>
+                            </m:ctrlPr>
+                          </m:sSupPr>
+                          <m:e>
+                            <m:r>
+                              <a:rPr lang="en-US" sz="3200" i="1" dirty="0">
+                                <a:latin typeface="Cambria Math" panose="02040503050406030204" pitchFamily="18" charset="0"/>
+                              </a:rPr>
+                              <m:t>(</m:t>
+                            </m:r>
+                            <m:sSup>
+                              <m:sSupPr>
+                                <m:ctrlPr>
+                                  <a:rPr lang="en-US" sz="3200" i="1" dirty="0">
+                                    <a:latin typeface="Cambria Math" panose="02040503050406030204" pitchFamily="18" charset="0"/>
+                                  </a:rPr>
+                                </m:ctrlPr>
+                              </m:sSupPr>
+                              <m:e>
+                                <m:r>
+                                  <a:rPr lang="en-US" sz="3200" i="1" dirty="0">
+                                    <a:latin typeface="Cambria Math" panose="02040503050406030204" pitchFamily="18" charset="0"/>
+                                  </a:rPr>
+                                  <m:t>𝑥</m:t>
+                                </m:r>
+                                <m:r>
+                                  <a:rPr lang="en-US" sz="3200" i="1" dirty="0">
+                                    <a:latin typeface="Cambria Math" panose="02040503050406030204" pitchFamily="18" charset="0"/>
+                                  </a:rPr>
+                                  <m:t>1</m:t>
+                                </m:r>
+                              </m:e>
+                              <m:sup>
+                                <m:r>
+                                  <a:rPr lang="en-US" sz="3200" i="1" dirty="0">
+                                    <a:latin typeface="Cambria Math" panose="02040503050406030204" pitchFamily="18" charset="0"/>
+                                  </a:rPr>
+                                  <m:t>2</m:t>
+                                </m:r>
+                              </m:sup>
+                            </m:sSup>
+                            <m:r>
+                              <a:rPr lang="en-US" sz="3200" b="0" i="1" dirty="0" smtClean="0">
+                                <a:latin typeface="Cambria Math" panose="02040503050406030204" pitchFamily="18" charset="0"/>
+                              </a:rPr>
+                              <m:t> </m:t>
+                            </m:r>
+                            <m:r>
+                              <a:rPr lang="en-US" sz="3200" i="1" dirty="0">
+                                <a:latin typeface="Cambria Math" panose="02040503050406030204" pitchFamily="18" charset="0"/>
+                              </a:rPr>
+                              <m:t>+</m:t>
+                            </m:r>
+                            <m:r>
+                              <a:rPr lang="en-US" sz="3200" b="0" i="1" dirty="0" smtClean="0">
+                                <a:latin typeface="Cambria Math" panose="02040503050406030204" pitchFamily="18" charset="0"/>
+                              </a:rPr>
+                              <m:t> </m:t>
+                            </m:r>
+                            <m:sSup>
+                              <m:sSupPr>
+                                <m:ctrlPr>
+                                  <a:rPr lang="en-US" sz="3200" i="1" dirty="0">
+                                    <a:latin typeface="Cambria Math" panose="02040503050406030204" pitchFamily="18" charset="0"/>
+                                  </a:rPr>
+                                </m:ctrlPr>
+                              </m:sSupPr>
+                              <m:e>
+                                <m:r>
+                                  <a:rPr lang="en-US" sz="3200" i="1" dirty="0">
+                                    <a:latin typeface="Cambria Math" panose="02040503050406030204" pitchFamily="18" charset="0"/>
+                                  </a:rPr>
+                                  <m:t>𝑦</m:t>
+                                </m:r>
+                                <m:r>
+                                  <a:rPr lang="en-US" sz="3200" i="1" dirty="0">
+                                    <a:latin typeface="Cambria Math" panose="02040503050406030204" pitchFamily="18" charset="0"/>
+                                  </a:rPr>
+                                  <m:t>1</m:t>
+                                </m:r>
+                              </m:e>
+                              <m:sup>
+                                <m:r>
+                                  <a:rPr lang="en-US" sz="3200" i="1" dirty="0">
+                                    <a:latin typeface="Cambria Math" panose="02040503050406030204" pitchFamily="18" charset="0"/>
+                                  </a:rPr>
+                                  <m:t>2</m:t>
+                                </m:r>
+                              </m:sup>
+                            </m:sSup>
+                            <m:r>
+                              <a:rPr lang="en-US" sz="3200" i="1" dirty="0">
+                                <a:latin typeface="Cambria Math" panose="02040503050406030204" pitchFamily="18" charset="0"/>
+                              </a:rPr>
+                              <m:t>)</m:t>
+                            </m:r>
+                          </m:e>
+                          <m:sup>
+                            <m:r>
+                              <a:rPr lang="en-US" sz="3200" b="0" i="1" dirty="0" smtClean="0">
+                                <a:latin typeface="Cambria Math" panose="02040503050406030204" pitchFamily="18" charset="0"/>
+                              </a:rPr>
+                              <m:t>1,5</m:t>
+                            </m:r>
+                          </m:sup>
+                        </m:sSup>
+                      </m:den>
+                    </m:f>
+                  </m:oMath>
+                </a14:m>
+                <a:endParaRPr lang="ru-RU" sz="3200" dirty="0"/>
+              </a:p>
+            </p:txBody>
+          </p:sp>
+        </mc:Choice>
+        <mc:Fallback xmlns="">
+          <p:sp>
+            <p:nvSpPr>
+              <p:cNvPr id="4" name="TextBox 3">
+                <a:extLst>
+                  <a:ext uri="{FF2B5EF4-FFF2-40B4-BE49-F238E27FC236}">
+                    <a16:creationId xmlns:a16="http://schemas.microsoft.com/office/drawing/2014/main" id="{FE329338-5FC8-46B4-183C-5040A491D6AB}"/>
+                  </a:ext>
+                </a:extLst>
+              </p:cNvPr>
+              <p:cNvSpPr txBox="1">
+                <a:spLocks noRot="1" noChangeAspect="1" noMove="1" noResize="1" noEditPoints="1" noAdjustHandles="1" noChangeArrowheads="1" noChangeShapeType="1" noTextEdit="1"/>
+              </p:cNvSpPr>
+              <p:nvPr/>
+            </p:nvSpPr>
+            <p:spPr>
+              <a:xfrm>
+                <a:off x="4685126" y="2348222"/>
+                <a:ext cx="3975686" cy="765659"/>
+              </a:xfrm>
+              <a:prstGeom prst="rect">
+                <a:avLst/>
+              </a:prstGeom>
+              <a:blipFill>
+                <a:blip r:embed="rId5"/>
+                <a:stretch>
+                  <a:fillRect/>
+                </a:stretch>
+              </a:blipFill>
+              <a:ln>
+                <a:solidFill>
+                  <a:schemeClr val="tx1"/>
+                </a:solidFill>
+              </a:ln>
+            </p:spPr>
+            <p:txBody>
+              <a:bodyPr/>
+              <a:lstStyle/>
+              <a:p>
+                <a:r>
+                  <a:rPr lang="ru-RU">
+                    <a:noFill/>
+                  </a:rPr>
+                  <a:t> </a:t>
+                </a:r>
+              </a:p>
+            </p:txBody>
+          </p:sp>
+        </mc:Fallback>
+      </mc:AlternateContent>
     </p:spTree>
   </p:cSld>
   <p:clrMapOvr>
@@ -17098,7 +17679,7 @@
         </p:nvSpPr>
         <p:spPr>
           <a:xfrm>
-            <a:off x="457200" y="18932"/>
+            <a:off x="0" y="28352"/>
             <a:ext cx="8229600" cy="1143000"/>
           </a:xfrm>
           <a:prstGeom prst="rect">
@@ -17211,7 +17792,7 @@
         </p:nvSpPr>
         <p:spPr>
           <a:xfrm>
-            <a:off x="282450" y="1599575"/>
+            <a:off x="335250" y="1656772"/>
             <a:ext cx="8473500" cy="4157700"/>
           </a:xfrm>
           <a:prstGeom prst="rect">
@@ -17238,20 +17819,75 @@
               <a:buNone/>
             </a:pPr>
             <a:r>
-              <a:rPr lang="ru-RU" sz="2400">
-                <a:latin typeface="Calibri"/>
-                <a:ea typeface="Calibri"/>
+              <a:rPr lang="ru-RU" sz="2400" dirty="0">
+                <a:latin typeface="Cambria" panose="02040503050406030204" pitchFamily="18" charset="0"/>
+                <a:ea typeface="Cambria" panose="02040503050406030204" pitchFamily="18" charset="0"/>
                 <a:cs typeface="Calibri"/>
                 <a:sym typeface="Calibri"/>
               </a:rPr>
-              <a:t>Формулы и значения параметров, описывающие начальные условия, и пояснения к ним, аналогично предыдущему слайду</a:t>
+              <a:t>Рассмотрим начальное положение Земли и Солнца:</a:t>
             </a:r>
-            <a:endParaRPr sz="2400">
-              <a:latin typeface="Calibri"/>
-              <a:ea typeface="Calibri"/>
-              <a:cs typeface="Calibri"/>
-              <a:sym typeface="Calibri"/>
-            </a:endParaRPr>
+          </a:p>
+          <a:p>
+            <a:pPr marL="342900" lvl="0" indent="-342900" algn="l" rtl="0">
+              <a:spcBef>
+                <a:spcPts val="0"/>
+              </a:spcBef>
+              <a:spcAft>
+                <a:spcPts val="0"/>
+              </a:spcAft>
+              <a:buFont typeface="Wingdings" panose="05000000000000000000" pitchFamily="2" charset="2"/>
+              <a:buChar char="§"/>
+            </a:pPr>
+            <a:r>
+              <a:rPr lang="ru-RU" sz="2400" dirty="0">
+                <a:latin typeface="Cambria" panose="02040503050406030204" pitchFamily="18" charset="0"/>
+                <a:ea typeface="Cambria" panose="02040503050406030204" pitchFamily="18" charset="0"/>
+                <a:cs typeface="Calibri"/>
+                <a:sym typeface="Calibri"/>
+              </a:rPr>
+              <a:t>Земля (1,5; 0)</a:t>
+            </a:r>
+          </a:p>
+          <a:p>
+            <a:pPr marL="342900" lvl="0" indent="-342900" algn="l" rtl="0">
+              <a:spcBef>
+                <a:spcPts val="0"/>
+              </a:spcBef>
+              <a:spcAft>
+                <a:spcPts val="0"/>
+              </a:spcAft>
+              <a:buFont typeface="Wingdings" panose="05000000000000000000" pitchFamily="2" charset="2"/>
+              <a:buChar char="§"/>
+            </a:pPr>
+            <a:r>
+              <a:rPr lang="ru-RU" sz="2400" dirty="0">
+                <a:latin typeface="Cambria" panose="02040503050406030204" pitchFamily="18" charset="0"/>
+                <a:ea typeface="Cambria" panose="02040503050406030204" pitchFamily="18" charset="0"/>
+                <a:cs typeface="Calibri"/>
+                <a:sym typeface="Calibri"/>
+              </a:rPr>
+              <a:t>Солнце (0; 0)</a:t>
+            </a:r>
+          </a:p>
+          <a:p>
+            <a:pPr lvl="0" algn="l" rtl="0">
+              <a:spcBef>
+                <a:spcPts val="0"/>
+              </a:spcBef>
+              <a:spcAft>
+                <a:spcPts val="0"/>
+              </a:spcAft>
+            </a:pPr>
+            <a:r>
+              <a:rPr lang="ru-RU" sz="2400" dirty="0">
+                <a:latin typeface="Cambria" panose="02040503050406030204" pitchFamily="18" charset="0"/>
+                <a:ea typeface="Cambria" panose="02040503050406030204" pitchFamily="18" charset="0"/>
+                <a:cs typeface="Calibri"/>
+                <a:sym typeface="Calibri"/>
+              </a:rPr>
+              <a:t>Рассмотрим также начальное положение осколков. Оно сходно с положением Земли (1,5; 0) </a:t>
+            </a:r>
           </a:p>
         </p:txBody>
       </p:sp>
@@ -17469,10 +18105,10 @@
       </p:sp>
       <p:pic>
         <p:nvPicPr>
-          <p:cNvPr id="3" name="Рисунок 2" descr="Изображение выглядит как диаграмма">
+          <p:cNvPr id="4" name="Рисунок 3" descr="Изображение выглядит как диаграмма">
             <a:extLst>
               <a:ext uri="{FF2B5EF4-FFF2-40B4-BE49-F238E27FC236}">
-                <a16:creationId xmlns:a16="http://schemas.microsoft.com/office/drawing/2014/main" id="{4E4A6AD8-817D-ED25-6E72-80B004D1BA31}"/>
+                <a16:creationId xmlns:a16="http://schemas.microsoft.com/office/drawing/2014/main" id="{0347FC96-51A3-1051-493A-62B8D1C9DEED}"/>
               </a:ext>
             </a:extLst>
           </p:cNvPr>
@@ -17489,7 +18125,7 @@
         </p:blipFill>
         <p:spPr>
           <a:xfrm>
-            <a:off x="1524000" y="1379987"/>
+            <a:off x="1524000" y="1449622"/>
             <a:ext cx="6096000" cy="4572000"/>
           </a:xfrm>
           <a:prstGeom prst="rect">
